--- a/ppt/PythonMath11-Pandas.pptx
+++ b/ppt/PythonMath11-Pandas.pptx
@@ -4055,7 +4055,7 @@
             <a:pPr lvl="1"/>
             <a:r>
               <a:rPr lang="fr-FR" dirty="0" err="1"/>
-              <a:t>dataframe.chol.isnull</a:t>
+              <a:t>dataframe.column.isnull</a:t>
             </a:r>
             <a:r>
               <a:rPr lang="fr-FR" dirty="0"/>
@@ -4073,14 +4073,14 @@
           <a:p>
             <a:r>
               <a:rPr lang="fr-FR" dirty="0"/>
-              <a:t>Remplacer les valeurs nulles par un moyenne + du bruit</a:t>
+              <a:t>Remplacer les valeurs nulles par une moyenne + du bruit</a:t>
             </a:r>
           </a:p>
           <a:p>
             <a:pPr lvl="1"/>
             <a:r>
               <a:rPr lang="fr-FR" dirty="0" err="1"/>
-              <a:t>ok.chol.fillna</a:t>
+              <a:t>dataframe.column.fillna</a:t>
             </a:r>
             <a:r>
               <a:rPr lang="fr-FR" dirty="0"/>
@@ -4100,7 +4100,7 @@
             </a:r>
             <a:r>
               <a:rPr lang="fr-FR" dirty="0"/>
-              <a:t>() - 0.5) * std, </a:t>
+              <a:t>() - 0.5) * 2 * std, </a:t>
             </a:r>
             <a:r>
               <a:rPr lang="fr-FR" dirty="0" err="1"/>

--- a/ppt/PythonMath11-Pandas.pptx
+++ b/ppt/PythonMath11-Pandas.pptx
@@ -3776,13 +3776,6 @@
   <p:clrMapOvr>
     <a:masterClrMapping/>
   </p:clrMapOvr>
-  <p:timing>
-    <p:tnLst>
-      <p:par>
-        <p:cTn id="1" dur="indefinite" restart="never" nodeType="tmRoot"/>
-      </p:par>
-    </p:tnLst>
-  </p:timing>
 </p:sld>
 </file>
 
@@ -3979,13 +3972,6 @@
   <p:clrMapOvr>
     <a:masterClrMapping/>
   </p:clrMapOvr>
-  <p:timing>
-    <p:tnLst>
-      <p:par>
-        <p:cTn id="1" dur="indefinite" restart="never" nodeType="tmRoot"/>
-      </p:par>
-    </p:tnLst>
-  </p:timing>
 </p:sld>
 </file>
 
@@ -4068,7 +4054,7 @@
           <a:p>
             <a:pPr lvl="1"/>
             <a:r>
-              <a:rPr lang="fr-FR" dirty="0" err="1" smtClean="0"/>
+              <a:rPr lang="fr-FR" dirty="0" err="1"/>
               <a:t>dataframe.isnull</a:t>
             </a:r>
             <a:r>
@@ -4161,13 +4147,6 @@
   <p:clrMapOvr>
     <a:masterClrMapping/>
   </p:clrMapOvr>
-  <p:timing>
-    <p:tnLst>
-      <p:par>
-        <p:cTn id="1" dur="indefinite" restart="never" nodeType="tmRoot"/>
-      </p:par>
-    </p:tnLst>
-  </p:timing>
 </p:sld>
 </file>
 
@@ -4294,13 +4273,6 @@
   <p:clrMapOvr>
     <a:masterClrMapping/>
   </p:clrMapOvr>
-  <p:timing>
-    <p:tnLst>
-      <p:par>
-        <p:cTn id="1" dur="indefinite" restart="never" nodeType="tmRoot"/>
-      </p:par>
-    </p:tnLst>
-  </p:timing>
 </p:sld>
 </file>
 
@@ -4456,13 +4428,6 @@
   <p:clrMapOvr>
     <a:masterClrMapping/>
   </p:clrMapOvr>
-  <p:timing>
-    <p:tnLst>
-      <p:par>
-        <p:cTn id="1" dur="indefinite" restart="never" nodeType="tmRoot"/>
-      </p:par>
-    </p:tnLst>
-  </p:timing>
 </p:sld>
 </file>
 
@@ -4529,7 +4494,7 @@
             <a:pPr lvl="1"/>
             <a:r>
               <a:rPr lang="fr-FR" dirty="0"/>
-              <a:t>Puis les converti en </a:t>
+              <a:t>Puis les convertis en </a:t>
             </a:r>
             <a:r>
               <a:rPr lang="fr-FR" dirty="0" err="1"/>
@@ -4686,13 +4651,6 @@
   <p:clrMapOvr>
     <a:masterClrMapping/>
   </p:clrMapOvr>
-  <p:timing>
-    <p:tnLst>
-      <p:par>
-        <p:cTn id="1" dur="indefinite" restart="never" nodeType="tmRoot"/>
-      </p:par>
-    </p:tnLst>
-  </p:timing>
 </p:sld>
 </file>
 
@@ -5040,13 +4998,6 @@
   <p:clrMapOvr>
     <a:masterClrMapping/>
   </p:clrMapOvr>
-  <p:timing>
-    <p:tnLst>
-      <p:par>
-        <p:cTn id="1" dur="indefinite" restart="never" nodeType="tmRoot"/>
-      </p:par>
-    </p:tnLst>
-  </p:timing>
 </p:sld>
 </file>
 
@@ -5171,13 +5122,6 @@
   <p:clrMapOvr>
     <a:masterClrMapping/>
   </p:clrMapOvr>
-  <p:timing>
-    <p:tnLst>
-      <p:par>
-        <p:cTn id="1" dur="indefinite" restart="never" nodeType="tmRoot"/>
-      </p:par>
-    </p:tnLst>
-  </p:timing>
 </p:sld>
 </file>
 
@@ -5305,13 +5249,6 @@
   <p:clrMapOvr>
     <a:masterClrMapping/>
   </p:clrMapOvr>
-  <p:timing>
-    <p:tnLst>
-      <p:par>
-        <p:cTn id="1" dur="indefinite" restart="never" nodeType="tmRoot"/>
-      </p:par>
-    </p:tnLst>
-  </p:timing>
 </p:sld>
 </file>
 
@@ -5444,13 +5381,6 @@
   <p:clrMapOvr>
     <a:masterClrMapping/>
   </p:clrMapOvr>
-  <p:timing>
-    <p:tnLst>
-      <p:par>
-        <p:cTn id="1" dur="indefinite" restart="never" nodeType="tmRoot"/>
-      </p:par>
-    </p:tnLst>
-  </p:timing>
 </p:sld>
 </file>
 
@@ -5599,13 +5529,6 @@
   <p:clrMapOvr>
     <a:masterClrMapping/>
   </p:clrMapOvr>
-  <p:timing>
-    <p:tnLst>
-      <p:par>
-        <p:cTn id="1" dur="indefinite" restart="never" nodeType="tmRoot"/>
-      </p:par>
-    </p:tnLst>
-  </p:timing>
 </p:sld>
 </file>
 
